--- a/01_FoundationProjects/CFL09_Half_Duplex_Wireless_NRF24L01/CFL09_Half_Duplex_Wireless_NRF24L01.pptx
+++ b/01_FoundationProjects/CFL09_Half_Duplex_Wireless_NRF24L01/CFL09_Half_Duplex_Wireless_NRF24L01.pptx
@@ -4861,7 +4861,7 @@
         <p:spPr bwMode="auto">
           <a:xfrm>
             <a:off x="5521423" y="4876919"/>
-            <a:ext cx="6403877" cy="1661993"/>
+            <a:ext cx="6403877" cy="1754326"/>
           </a:xfrm>
           <a:prstGeom prst="rect">
             <a:avLst/>
@@ -4882,39 +4882,37 @@
           <a:lstStyle/>
           <a:p>
             <a:r>
-              <a:rPr lang="en-GB" b="1" dirty="0" err="1"/>
+              <a:rPr lang="en-GB" sz="1200" b="1" dirty="0" err="1"/>
               <a:t>Github</a:t>
             </a:r>
             <a:r>
-              <a:rPr lang="en-GB" b="1" dirty="0"/>
+              <a:rPr lang="en-GB" sz="1200" b="1" dirty="0"/>
               <a:t> Link for Code:</a:t>
             </a:r>
           </a:p>
           <a:p>
             <a:r>
-              <a:rPr lang="en-GB" sz="1400" b="1" dirty="0"/>
-              <a:t>(1). </a:t>
-            </a:r>
-            <a:r>
-              <a:rPr lang="en-GB" sz="1400" b="1" dirty="0">
+              <a:rPr lang="en-GB" sz="1200" b="1" dirty="0">
                 <a:hlinkClick r:id="rId4"/>
               </a:rPr>
-              <a:t>https://github.com/info-zas/Training/tree/main/GPREC/03_Communications/01_Code/03_Comm_Kit_NRF24L01_Transmitter_Encoder_Value</a:t>
-            </a:r>
-            <a:endParaRPr lang="en-GB" sz="1400" b="1" dirty="0"/>
-          </a:p>
-          <a:p>
-            <a:r>
-              <a:rPr lang="en-GB" sz="1400" b="1" dirty="0"/>
-              <a:t>(2). </a:t>
-            </a:r>
-            <a:r>
-              <a:rPr lang="en-GB" sz="1400" b="1" dirty="0">
+              <a:t>https://github.com/info-zas/zas-robotics-communications/blob/main/01_FoundationProjects/CFL09_Half_Duplex_Wireless_NRF24L01/CFL09_Half_Duplex_NRF24L01_ESP32_A/CFL09_Half_Duplex_NRF24L01_ESP32_A.ino</a:t>
+            </a:r>
+            <a:endParaRPr lang="en-GB" sz="1200" b="1" dirty="0"/>
+          </a:p>
+          <a:p>
+            <a:endParaRPr lang="en-GB" sz="1200" b="1" dirty="0"/>
+          </a:p>
+          <a:p>
+            <a:r>
+              <a:rPr lang="en-GB" sz="1200" b="1" dirty="0">
                 <a:hlinkClick r:id="rId5"/>
               </a:rPr>
-              <a:t>https://github.com/info-zas/Training/tree/main/GPREC/03_Communications/01_Code/04_Comm_Kit_NRF24L01_Receiver_Encoder_Value</a:t>
-            </a:r>
-            <a:endParaRPr lang="en-GB" sz="1400" b="1" dirty="0"/>
+              <a:t>https://github.com/info-zas/zas-robotics-communications/blob/main/01_FoundationProjects/CFL09_Half_Duplex_Wireless_NRF24L01/CFL09_Half_Duplex_NRF24L01_ESP32_B/CFL09_Half_Duplex_NRF24L01_ESP32_B.ino</a:t>
+            </a:r>
+            <a:endParaRPr lang="en-GB" sz="1200" b="1" dirty="0"/>
+          </a:p>
+          <a:p>
+            <a:endParaRPr lang="en-GB" sz="1200" b="1" dirty="0"/>
           </a:p>
         </p:txBody>
       </p:sp>
@@ -6591,6 +6589,42 @@
           </a:p>
         </p:txBody>
       </p:sp>
+      <p:pic>
+        <p:nvPicPr>
+          <p:cNvPr id="7" name="Picture 6">
+            <a:extLst>
+              <a:ext uri="{FF2B5EF4-FFF2-40B4-BE49-F238E27FC236}">
+                <a16:creationId xmlns:a16="http://schemas.microsoft.com/office/drawing/2014/main" id="{7D59D361-5077-CC01-08C6-FD27C4A5E352}"/>
+              </a:ext>
+            </a:extLst>
+          </p:cNvPr>
+          <p:cNvPicPr>
+            <a:picLocks noChangeAspect="1"/>
+          </p:cNvPicPr>
+          <p:nvPr/>
+        </p:nvPicPr>
+        <p:blipFill>
+          <a:blip r:embed="rId4" cstate="print">
+            <a:extLst>
+              <a:ext uri="{28A0092B-C50C-407E-A947-70E740481C1C}">
+                <a14:useLocalDpi xmlns:a14="http://schemas.microsoft.com/office/drawing/2010/main" val="0"/>
+              </a:ext>
+            </a:extLst>
+          </a:blip>
+          <a:stretch>
+            <a:fillRect/>
+          </a:stretch>
+        </p:blipFill>
+        <p:spPr>
+          <a:xfrm>
+            <a:off x="9004852" y="1"/>
+            <a:ext cx="3125372" cy="842386"/>
+          </a:xfrm>
+          <a:prstGeom prst="rect">
+            <a:avLst/>
+          </a:prstGeom>
+        </p:spPr>
+      </p:pic>
     </p:spTree>
   </p:cSld>
   <p:clrMapOvr>
@@ -7576,6 +7610,42 @@
           </a:prstGeom>
         </p:spPr>
       </p:pic>
+      <p:pic>
+        <p:nvPicPr>
+          <p:cNvPr id="6" name="Picture 5">
+            <a:extLst>
+              <a:ext uri="{FF2B5EF4-FFF2-40B4-BE49-F238E27FC236}">
+                <a16:creationId xmlns:a16="http://schemas.microsoft.com/office/drawing/2014/main" id="{C6F6746B-48E1-5FEE-EADA-65389C98347F}"/>
+              </a:ext>
+            </a:extLst>
+          </p:cNvPr>
+          <p:cNvPicPr>
+            <a:picLocks noChangeAspect="1"/>
+          </p:cNvPicPr>
+          <p:nvPr/>
+        </p:nvPicPr>
+        <p:blipFill>
+          <a:blip r:embed="rId4" cstate="print">
+            <a:extLst>
+              <a:ext uri="{28A0092B-C50C-407E-A947-70E740481C1C}">
+                <a14:useLocalDpi xmlns:a14="http://schemas.microsoft.com/office/drawing/2010/main" val="0"/>
+              </a:ext>
+            </a:extLst>
+          </a:blip>
+          <a:stretch>
+            <a:fillRect/>
+          </a:stretch>
+        </p:blipFill>
+        <p:spPr>
+          <a:xfrm>
+            <a:off x="9004852" y="1"/>
+            <a:ext cx="3125372" cy="842386"/>
+          </a:xfrm>
+          <a:prstGeom prst="rect">
+            <a:avLst/>
+          </a:prstGeom>
+        </p:spPr>
+      </p:pic>
     </p:spTree>
     <p:extLst>
       <p:ext uri="{BB962C8B-B14F-4D97-AF65-F5344CB8AC3E}">
@@ -7805,6 +7875,42 @@
           </a:p>
         </p:txBody>
       </p:sp>
+      <p:pic>
+        <p:nvPicPr>
+          <p:cNvPr id="6" name="Picture 5">
+            <a:extLst>
+              <a:ext uri="{FF2B5EF4-FFF2-40B4-BE49-F238E27FC236}">
+                <a16:creationId xmlns:a16="http://schemas.microsoft.com/office/drawing/2014/main" id="{DA242DF4-45CC-DC48-1362-7AE7D60E8EBB}"/>
+              </a:ext>
+            </a:extLst>
+          </p:cNvPr>
+          <p:cNvPicPr>
+            <a:picLocks noChangeAspect="1"/>
+          </p:cNvPicPr>
+          <p:nvPr/>
+        </p:nvPicPr>
+        <p:blipFill>
+          <a:blip r:embed="rId2" cstate="print">
+            <a:extLst>
+              <a:ext uri="{28A0092B-C50C-407E-A947-70E740481C1C}">
+                <a14:useLocalDpi xmlns:a14="http://schemas.microsoft.com/office/drawing/2010/main" val="0"/>
+              </a:ext>
+            </a:extLst>
+          </a:blip>
+          <a:stretch>
+            <a:fillRect/>
+          </a:stretch>
+        </p:blipFill>
+        <p:spPr>
+          <a:xfrm>
+            <a:off x="9004852" y="1"/>
+            <a:ext cx="3125372" cy="842386"/>
+          </a:xfrm>
+          <a:prstGeom prst="rect">
+            <a:avLst/>
+          </a:prstGeom>
+        </p:spPr>
+      </p:pic>
     </p:spTree>
     <p:extLst>
       <p:ext uri="{BB962C8B-B14F-4D97-AF65-F5344CB8AC3E}">
@@ -8081,6 +8187,42 @@
           </a:p>
         </p:txBody>
       </p:sp>
+      <p:pic>
+        <p:nvPicPr>
+          <p:cNvPr id="6" name="Picture 5">
+            <a:extLst>
+              <a:ext uri="{FF2B5EF4-FFF2-40B4-BE49-F238E27FC236}">
+                <a16:creationId xmlns:a16="http://schemas.microsoft.com/office/drawing/2014/main" id="{E1DF8F41-E85C-A166-B05A-09655E306BD3}"/>
+              </a:ext>
+            </a:extLst>
+          </p:cNvPr>
+          <p:cNvPicPr>
+            <a:picLocks noChangeAspect="1"/>
+          </p:cNvPicPr>
+          <p:nvPr/>
+        </p:nvPicPr>
+        <p:blipFill>
+          <a:blip r:embed="rId2" cstate="print">
+            <a:extLst>
+              <a:ext uri="{28A0092B-C50C-407E-A947-70E740481C1C}">
+                <a14:useLocalDpi xmlns:a14="http://schemas.microsoft.com/office/drawing/2010/main" val="0"/>
+              </a:ext>
+            </a:extLst>
+          </a:blip>
+          <a:stretch>
+            <a:fillRect/>
+          </a:stretch>
+        </p:blipFill>
+        <p:spPr>
+          <a:xfrm>
+            <a:off x="9004852" y="1"/>
+            <a:ext cx="3125372" cy="842386"/>
+          </a:xfrm>
+          <a:prstGeom prst="rect">
+            <a:avLst/>
+          </a:prstGeom>
+        </p:spPr>
+      </p:pic>
     </p:spTree>
     <p:extLst>
       <p:ext uri="{BB962C8B-B14F-4D97-AF65-F5344CB8AC3E}">
@@ -8716,6 +8858,42 @@
           </a:p>
         </p:txBody>
       </p:sp>
+      <p:pic>
+        <p:nvPicPr>
+          <p:cNvPr id="17" name="Picture 16">
+            <a:extLst>
+              <a:ext uri="{FF2B5EF4-FFF2-40B4-BE49-F238E27FC236}">
+                <a16:creationId xmlns:a16="http://schemas.microsoft.com/office/drawing/2014/main" id="{EFB06F3A-7D2F-7AF4-5BD2-E4F62A052DC1}"/>
+              </a:ext>
+            </a:extLst>
+          </p:cNvPr>
+          <p:cNvPicPr>
+            <a:picLocks noChangeAspect="1"/>
+          </p:cNvPicPr>
+          <p:nvPr/>
+        </p:nvPicPr>
+        <p:blipFill>
+          <a:blip r:embed="rId3" cstate="print">
+            <a:extLst>
+              <a:ext uri="{28A0092B-C50C-407E-A947-70E740481C1C}">
+                <a14:useLocalDpi xmlns:a14="http://schemas.microsoft.com/office/drawing/2010/main" val="0"/>
+              </a:ext>
+            </a:extLst>
+          </a:blip>
+          <a:stretch>
+            <a:fillRect/>
+          </a:stretch>
+        </p:blipFill>
+        <p:spPr>
+          <a:xfrm>
+            <a:off x="9004852" y="1"/>
+            <a:ext cx="3125372" cy="842386"/>
+          </a:xfrm>
+          <a:prstGeom prst="rect">
+            <a:avLst/>
+          </a:prstGeom>
+        </p:spPr>
+      </p:pic>
     </p:spTree>
     <p:extLst>
       <p:ext uri="{BB962C8B-B14F-4D97-AF65-F5344CB8AC3E}">
